--- a/20230215_VXI-11 通信の概要/351_RPC_LocalFunctionCall_Sequence.pptx
+++ b/20230215_VXI-11 通信の概要/351_RPC_LocalFunctionCall_Sequence.pptx
@@ -6773,6 +6773,78 @@
               <a:rPr kumimoji="1" lang="ja-JP" altLang="en-US" sz="800" dirty="0"/>
               <a:t>受信待ち</a:t>
             </a:r>
+          </a:p>
+        </p:txBody>
+      </p:sp>
+      <p:sp>
+        <p:nvSpPr>
+          <p:cNvPr id="2" name="テキスト ボックス 1">
+            <a:extLst>
+              <a:ext uri="{FF2B5EF4-FFF2-40B4-BE49-F238E27FC236}">
+                <a16:creationId xmlns:a16="http://schemas.microsoft.com/office/drawing/2014/main" id="{813424BB-87C7-C277-A3BA-FE5FCB3B53DE}"/>
+              </a:ext>
+            </a:extLst>
+          </p:cNvPr>
+          <p:cNvSpPr txBox="1"/>
+          <p:nvPr/>
+        </p:nvSpPr>
+        <p:spPr>
+          <a:xfrm>
+            <a:off x="7516396" y="2720735"/>
+            <a:ext cx="389850" cy="215444"/>
+          </a:xfrm>
+          <a:prstGeom prst="rect">
+            <a:avLst/>
+          </a:prstGeom>
+          <a:noFill/>
+        </p:spPr>
+        <p:txBody>
+          <a:bodyPr wrap="none" rtlCol="0">
+            <a:spAutoFit/>
+          </a:bodyPr>
+          <a:lstStyle/>
+          <a:p>
+            <a:r>
+              <a:rPr lang="ja-JP" altLang="en-US" sz="800" dirty="0"/>
+              <a:t>通信</a:t>
+            </a:r>
+            <a:endParaRPr kumimoji="1" lang="ja-JP" altLang="en-US" sz="800" dirty="0"/>
+          </a:p>
+        </p:txBody>
+      </p:sp>
+      <p:sp>
+        <p:nvSpPr>
+          <p:cNvPr id="3" name="テキスト ボックス 2">
+            <a:extLst>
+              <a:ext uri="{FF2B5EF4-FFF2-40B4-BE49-F238E27FC236}">
+                <a16:creationId xmlns:a16="http://schemas.microsoft.com/office/drawing/2014/main" id="{683902EF-334E-D6D5-7F73-DB72F205928A}"/>
+              </a:ext>
+            </a:extLst>
+          </p:cNvPr>
+          <p:cNvSpPr txBox="1"/>
+          <p:nvPr/>
+        </p:nvSpPr>
+        <p:spPr>
+          <a:xfrm>
+            <a:off x="7516396" y="4349813"/>
+            <a:ext cx="389850" cy="215444"/>
+          </a:xfrm>
+          <a:prstGeom prst="rect">
+            <a:avLst/>
+          </a:prstGeom>
+          <a:noFill/>
+        </p:spPr>
+        <p:txBody>
+          <a:bodyPr wrap="none" rtlCol="0">
+            <a:spAutoFit/>
+          </a:bodyPr>
+          <a:lstStyle/>
+          <a:p>
+            <a:r>
+              <a:rPr lang="ja-JP" altLang="en-US" sz="800" dirty="0"/>
+              <a:t>通信</a:t>
+            </a:r>
+            <a:endParaRPr kumimoji="1" lang="ja-JP" altLang="en-US" sz="800" dirty="0"/>
           </a:p>
         </p:txBody>
       </p:sp>

--- a/20230215_VXI-11 通信の概要/351_RPC_LocalFunctionCall_Sequence.pptx
+++ b/20230215_VXI-11 通信の概要/351_RPC_LocalFunctionCall_Sequence.pptx
@@ -222,7 +222,7 @@
           <a:p>
             <a:fld id="{8A4CF053-040B-44B7-89E9-8CB547445B7F}" type="datetimeFigureOut">
               <a:rPr kumimoji="1" lang="ja-JP" altLang="en-US" smtClean="0"/>
-              <a:t>2023/2/23</a:t>
+              <a:t>2023/2/24</a:t>
             </a:fld>
             <a:endParaRPr kumimoji="1" lang="ja-JP" altLang="en-US"/>
           </a:p>
@@ -752,7 +752,7 @@
           <a:p>
             <a:fld id="{450CE236-8E69-46A3-A89B-50E3FB1BE869}" type="datetimeFigureOut">
               <a:rPr kumimoji="1" lang="ja-JP" altLang="en-US" smtClean="0"/>
-              <a:t>2023/2/23</a:t>
+              <a:t>2023/2/24</a:t>
             </a:fld>
             <a:endParaRPr kumimoji="1" lang="ja-JP" altLang="en-US"/>
           </a:p>
@@ -982,7 +982,7 @@
           <a:p>
             <a:fld id="{450CE236-8E69-46A3-A89B-50E3FB1BE869}" type="datetimeFigureOut">
               <a:rPr kumimoji="1" lang="ja-JP" altLang="en-US" smtClean="0"/>
-              <a:t>2023/2/23</a:t>
+              <a:t>2023/2/24</a:t>
             </a:fld>
             <a:endParaRPr kumimoji="1" lang="ja-JP" altLang="en-US"/>
           </a:p>
@@ -1222,7 +1222,7 @@
           <a:p>
             <a:fld id="{450CE236-8E69-46A3-A89B-50E3FB1BE869}" type="datetimeFigureOut">
               <a:rPr kumimoji="1" lang="ja-JP" altLang="en-US" smtClean="0"/>
-              <a:t>2023/2/23</a:t>
+              <a:t>2023/2/24</a:t>
             </a:fld>
             <a:endParaRPr kumimoji="1" lang="ja-JP" altLang="en-US"/>
           </a:p>
@@ -1452,7 +1452,7 @@
           <a:p>
             <a:fld id="{450CE236-8E69-46A3-A89B-50E3FB1BE869}" type="datetimeFigureOut">
               <a:rPr kumimoji="1" lang="ja-JP" altLang="en-US" smtClean="0"/>
-              <a:t>2023/2/23</a:t>
+              <a:t>2023/2/24</a:t>
             </a:fld>
             <a:endParaRPr kumimoji="1" lang="ja-JP" altLang="en-US"/>
           </a:p>
@@ -1727,7 +1727,7 @@
           <a:p>
             <a:fld id="{450CE236-8E69-46A3-A89B-50E3FB1BE869}" type="datetimeFigureOut">
               <a:rPr kumimoji="1" lang="ja-JP" altLang="en-US" smtClean="0"/>
-              <a:t>2023/2/23</a:t>
+              <a:t>2023/2/24</a:t>
             </a:fld>
             <a:endParaRPr kumimoji="1" lang="ja-JP" altLang="en-US"/>
           </a:p>
@@ -2056,7 +2056,7 @@
           <a:p>
             <a:fld id="{450CE236-8E69-46A3-A89B-50E3FB1BE869}" type="datetimeFigureOut">
               <a:rPr kumimoji="1" lang="ja-JP" altLang="en-US" smtClean="0"/>
-              <a:t>2023/2/23</a:t>
+              <a:t>2023/2/24</a:t>
             </a:fld>
             <a:endParaRPr kumimoji="1" lang="ja-JP" altLang="en-US"/>
           </a:p>
@@ -2532,7 +2532,7 @@
           <a:p>
             <a:fld id="{450CE236-8E69-46A3-A89B-50E3FB1BE869}" type="datetimeFigureOut">
               <a:rPr kumimoji="1" lang="ja-JP" altLang="en-US" smtClean="0"/>
-              <a:t>2023/2/23</a:t>
+              <a:t>2023/2/24</a:t>
             </a:fld>
             <a:endParaRPr kumimoji="1" lang="ja-JP" altLang="en-US"/>
           </a:p>
@@ -2673,7 +2673,7 @@
           <a:p>
             <a:fld id="{450CE236-8E69-46A3-A89B-50E3FB1BE869}" type="datetimeFigureOut">
               <a:rPr kumimoji="1" lang="ja-JP" altLang="en-US" smtClean="0"/>
-              <a:t>2023/2/23</a:t>
+              <a:t>2023/2/24</a:t>
             </a:fld>
             <a:endParaRPr kumimoji="1" lang="ja-JP" altLang="en-US"/>
           </a:p>
@@ -2786,7 +2786,7 @@
           <a:p>
             <a:fld id="{450CE236-8E69-46A3-A89B-50E3FB1BE869}" type="datetimeFigureOut">
               <a:rPr kumimoji="1" lang="ja-JP" altLang="en-US" smtClean="0"/>
-              <a:t>2023/2/23</a:t>
+              <a:t>2023/2/24</a:t>
             </a:fld>
             <a:endParaRPr kumimoji="1" lang="ja-JP" altLang="en-US"/>
           </a:p>
@@ -3129,7 +3129,7 @@
           <a:p>
             <a:fld id="{450CE236-8E69-46A3-A89B-50E3FB1BE869}" type="datetimeFigureOut">
               <a:rPr kumimoji="1" lang="ja-JP" altLang="en-US" smtClean="0"/>
-              <a:t>2023/2/23</a:t>
+              <a:t>2023/2/24</a:t>
             </a:fld>
             <a:endParaRPr kumimoji="1" lang="ja-JP" altLang="en-US"/>
           </a:p>
@@ -3417,7 +3417,7 @@
           <a:p>
             <a:fld id="{450CE236-8E69-46A3-A89B-50E3FB1BE869}" type="datetimeFigureOut">
               <a:rPr kumimoji="1" lang="ja-JP" altLang="en-US" smtClean="0"/>
-              <a:t>2023/2/23</a:t>
+              <a:t>2023/2/24</a:t>
             </a:fld>
             <a:endParaRPr kumimoji="1" lang="ja-JP" altLang="en-US"/>
           </a:p>
@@ -3690,7 +3690,7 @@
           <a:p>
             <a:fld id="{450CE236-8E69-46A3-A89B-50E3FB1BE869}" type="datetimeFigureOut">
               <a:rPr kumimoji="1" lang="ja-JP" altLang="en-US" smtClean="0"/>
-              <a:t>2023/2/23</a:t>
+              <a:t>2023/2/24</a:t>
             </a:fld>
             <a:endParaRPr kumimoji="1" lang="ja-JP" altLang="en-US"/>
           </a:p>
@@ -4342,7 +4342,7 @@
           </a:prstGeom>
           <a:ln>
             <a:solidFill>
-              <a:schemeClr val="tx1"/>
+              <a:srgbClr val="0070C0"/>
             </a:solidFill>
             <a:tailEnd type="triangle"/>
           </a:ln>
@@ -4385,6 +4385,11 @@
           <a:solidFill>
             <a:schemeClr val="bg1"/>
           </a:solidFill>
+          <a:ln>
+            <a:solidFill>
+              <a:schemeClr val="tx1"/>
+            </a:solidFill>
+          </a:ln>
         </p:spPr>
         <p:style>
           <a:lnRef idx="2">
@@ -4457,6 +4462,11 @@
           <a:solidFill>
             <a:schemeClr val="bg1"/>
           </a:solidFill>
+          <a:ln>
+            <a:solidFill>
+              <a:schemeClr val="tx1"/>
+            </a:solidFill>
+          </a:ln>
         </p:spPr>
         <p:style>
           <a:lnRef idx="2">
@@ -4507,7 +4517,7 @@
           </a:prstGeom>
           <a:ln>
             <a:solidFill>
-              <a:schemeClr val="tx1"/>
+              <a:srgbClr val="00B050"/>
             </a:solidFill>
             <a:tailEnd type="triangle"/>
           </a:ln>
